--- a/Assets/SplashScreen/SplashScreen.pptx
+++ b/Assets/SplashScreen/SplashScreen.pptx
@@ -6,8 +6,10 @@
   </p:sldMasterIdLst>
   <p:sldIdLst>
     <p:sldId id="256" r:id="rId2"/>
-    <p:sldId id="257" r:id="rId3"/>
-    <p:sldId id="258" r:id="rId4"/>
+    <p:sldId id="259" r:id="rId3"/>
+    <p:sldId id="257" r:id="rId4"/>
+    <p:sldId id="258" r:id="rId5"/>
+    <p:sldId id="260" r:id="rId6"/>
   </p:sldIdLst>
   <p:sldSz cx="7802563" cy="5851525"/>
   <p:notesSz cx="6858000" cy="9144000"/>
@@ -287,7 +289,7 @@
           <a:p>
             <a:fld id="{7C7FAD9F-AEE9-406E-B720-57D2B9DB2816}" type="slidenum">
               <a:rPr lang="en-US" smtClean="0"/>
-              <a:t>‹Nr.›</a:t>
+              <a:t>‹Nº›</a:t>
             </a:fld>
             <a:endParaRPr lang="en-US"/>
           </a:p>
@@ -457,7 +459,7 @@
           <a:p>
             <a:fld id="{7C7FAD9F-AEE9-406E-B720-57D2B9DB2816}" type="slidenum">
               <a:rPr lang="en-US" smtClean="0"/>
-              <a:t>‹Nr.›</a:t>
+              <a:t>‹Nº›</a:t>
             </a:fld>
             <a:endParaRPr lang="en-US"/>
           </a:p>
@@ -637,7 +639,7 @@
           <a:p>
             <a:fld id="{7C7FAD9F-AEE9-406E-B720-57D2B9DB2816}" type="slidenum">
               <a:rPr lang="en-US" smtClean="0"/>
-              <a:t>‹Nr.›</a:t>
+              <a:t>‹Nº›</a:t>
             </a:fld>
             <a:endParaRPr lang="en-US"/>
           </a:p>
@@ -807,7 +809,7 @@
           <a:p>
             <a:fld id="{7C7FAD9F-AEE9-406E-B720-57D2B9DB2816}" type="slidenum">
               <a:rPr lang="en-US" smtClean="0"/>
-              <a:t>‹Nr.›</a:t>
+              <a:t>‹Nº›</a:t>
             </a:fld>
             <a:endParaRPr lang="en-US"/>
           </a:p>
@@ -1051,7 +1053,7 @@
           <a:p>
             <a:fld id="{7C7FAD9F-AEE9-406E-B720-57D2B9DB2816}" type="slidenum">
               <a:rPr lang="en-US" smtClean="0"/>
-              <a:t>‹Nr.›</a:t>
+              <a:t>‹Nº›</a:t>
             </a:fld>
             <a:endParaRPr lang="en-US"/>
           </a:p>
@@ -1283,7 +1285,7 @@
           <a:p>
             <a:fld id="{7C7FAD9F-AEE9-406E-B720-57D2B9DB2816}" type="slidenum">
               <a:rPr lang="en-US" smtClean="0"/>
-              <a:t>‹Nr.›</a:t>
+              <a:t>‹Nº›</a:t>
             </a:fld>
             <a:endParaRPr lang="en-US"/>
           </a:p>
@@ -1650,7 +1652,7 @@
           <a:p>
             <a:fld id="{7C7FAD9F-AEE9-406E-B720-57D2B9DB2816}" type="slidenum">
               <a:rPr lang="en-US" smtClean="0"/>
-              <a:t>‹Nr.›</a:t>
+              <a:t>‹Nº›</a:t>
             </a:fld>
             <a:endParaRPr lang="en-US"/>
           </a:p>
@@ -1768,7 +1770,7 @@
           <a:p>
             <a:fld id="{7C7FAD9F-AEE9-406E-B720-57D2B9DB2816}" type="slidenum">
               <a:rPr lang="en-US" smtClean="0"/>
-              <a:t>‹Nr.›</a:t>
+              <a:t>‹Nº›</a:t>
             </a:fld>
             <a:endParaRPr lang="en-US"/>
           </a:p>
@@ -1863,7 +1865,7 @@
           <a:p>
             <a:fld id="{7C7FAD9F-AEE9-406E-B720-57D2B9DB2816}" type="slidenum">
               <a:rPr lang="en-US" smtClean="0"/>
-              <a:t>‹Nr.›</a:t>
+              <a:t>‹Nº›</a:t>
             </a:fld>
             <a:endParaRPr lang="en-US"/>
           </a:p>
@@ -2140,7 +2142,7 @@
           <a:p>
             <a:fld id="{7C7FAD9F-AEE9-406E-B720-57D2B9DB2816}" type="slidenum">
               <a:rPr lang="en-US" smtClean="0"/>
-              <a:t>‹Nr.›</a:t>
+              <a:t>‹Nº›</a:t>
             </a:fld>
             <a:endParaRPr lang="en-US"/>
           </a:p>
@@ -2397,7 +2399,7 @@
           <a:p>
             <a:fld id="{7C7FAD9F-AEE9-406E-B720-57D2B9DB2816}" type="slidenum">
               <a:rPr lang="en-US" smtClean="0"/>
-              <a:t>‹Nr.›</a:t>
+              <a:t>‹Nº›</a:t>
             </a:fld>
             <a:endParaRPr lang="en-US"/>
           </a:p>
@@ -2646,7 +2648,7 @@
           <a:p>
             <a:fld id="{7C7FAD9F-AEE9-406E-B720-57D2B9DB2816}" type="slidenum">
               <a:rPr lang="en-US" smtClean="0"/>
-              <a:t>‹Nr.›</a:t>
+              <a:t>‹Nº›</a:t>
             </a:fld>
             <a:endParaRPr lang="en-US"/>
           </a:p>
@@ -3061,6 +3063,308 @@
 <file path=ppt/slides/slide2.xml><?xml version="1.0" encoding="utf-8"?>
 <p:sld xmlns:a="http://schemas.openxmlformats.org/drawingml/2006/main" xmlns:r="http://schemas.openxmlformats.org/officeDocument/2006/relationships" xmlns:p="http://schemas.openxmlformats.org/presentationml/2006/main">
   <p:cSld>
+    <p:spTree>
+      <p:nvGrpSpPr>
+        <p:cNvPr id="1" name=""/>
+        <p:cNvGrpSpPr/>
+        <p:nvPr/>
+      </p:nvGrpSpPr>
+      <p:grpSpPr>
+        <a:xfrm>
+          <a:off x="0" y="0"/>
+          <a:ext cx="0" cy="0"/>
+          <a:chOff x="0" y="0"/>
+          <a:chExt cx="0" cy="0"/>
+        </a:xfrm>
+      </p:grpSpPr>
+      <p:pic>
+        <p:nvPicPr>
+          <p:cNvPr id="24" name="Picture 3">
+            <a:extLst>
+              <a:ext uri="{FF2B5EF4-FFF2-40B4-BE49-F238E27FC236}">
+                <a16:creationId xmlns:a16="http://schemas.microsoft.com/office/drawing/2014/main" id="{BF41EC81-59C8-436E-BE2F-095362EDAD06}"/>
+              </a:ext>
+            </a:extLst>
+          </p:cNvPr>
+          <p:cNvPicPr>
+            <a:picLocks noChangeAspect="1"/>
+          </p:cNvPicPr>
+          <p:nvPr/>
+        </p:nvPicPr>
+        <p:blipFill>
+          <a:blip r:embed="rId2">
+            <a:extLst>
+              <a:ext uri="{28A0092B-C50C-407E-A947-70E740481C1C}">
+                <a14:useLocalDpi xmlns:a14="http://schemas.microsoft.com/office/drawing/2010/main" val="0"/>
+              </a:ext>
+            </a:extLst>
+          </a:blip>
+          <a:srcRect l="12993" r="12993"/>
+          <a:stretch/>
+        </p:blipFill>
+        <p:spPr>
+          <a:xfrm>
+            <a:off x="167632" y="1034894"/>
+            <a:ext cx="7467297" cy="4200355"/>
+          </a:xfrm>
+          <a:prstGeom prst="rect">
+            <a:avLst/>
+          </a:prstGeom>
+        </p:spPr>
+      </p:pic>
+      <p:pic>
+        <p:nvPicPr>
+          <p:cNvPr id="6" name="Imagen 5" descr="Texto&#10;&#10;Descripción generada automáticamente con confianza media">
+            <a:extLst>
+              <a:ext uri="{FF2B5EF4-FFF2-40B4-BE49-F238E27FC236}">
+                <a16:creationId xmlns:a16="http://schemas.microsoft.com/office/drawing/2014/main" id="{1CE34137-357D-4914-B390-30D0755C173A}"/>
+              </a:ext>
+            </a:extLst>
+          </p:cNvPr>
+          <p:cNvPicPr>
+            <a:picLocks noChangeAspect="1"/>
+          </p:cNvPicPr>
+          <p:nvPr/>
+        </p:nvPicPr>
+        <p:blipFill>
+          <a:blip r:embed="rId3">
+            <a:extLst>
+              <a:ext uri="{28A0092B-C50C-407E-A947-70E740481C1C}">
+                <a14:useLocalDpi xmlns:a14="http://schemas.microsoft.com/office/drawing/2010/main" val="0"/>
+              </a:ext>
+            </a:extLst>
+          </a:blip>
+          <a:stretch>
+            <a:fillRect/>
+          </a:stretch>
+        </p:blipFill>
+        <p:spPr>
+          <a:xfrm>
+            <a:off x="523568" y="4017204"/>
+            <a:ext cx="1144893" cy="799427"/>
+          </a:xfrm>
+          <a:prstGeom prst="rect">
+            <a:avLst/>
+          </a:prstGeom>
+        </p:spPr>
+      </p:pic>
+      <p:pic>
+        <p:nvPicPr>
+          <p:cNvPr id="9" name="Grafik 7">
+            <a:extLst>
+              <a:ext uri="{FF2B5EF4-FFF2-40B4-BE49-F238E27FC236}">
+                <a16:creationId xmlns:a16="http://schemas.microsoft.com/office/drawing/2014/main" id="{46AC10C7-CF11-4752-A202-9E4215F028BD}"/>
+              </a:ext>
+            </a:extLst>
+          </p:cNvPr>
+          <p:cNvPicPr>
+            <a:picLocks noChangeAspect="1"/>
+          </p:cNvPicPr>
+          <p:nvPr/>
+        </p:nvPicPr>
+        <p:blipFill>
+          <a:blip r:embed="rId4">
+            <a:extLst>
+              <a:ext uri="{28A0092B-C50C-407E-A947-70E740481C1C}">
+                <a14:useLocalDpi xmlns:a14="http://schemas.microsoft.com/office/drawing/2010/main" val="0"/>
+              </a:ext>
+            </a:extLst>
+          </a:blip>
+          <a:srcRect l="6129" r="6129"/>
+          <a:stretch/>
+        </p:blipFill>
+        <p:spPr>
+          <a:xfrm>
+            <a:off x="5978179" y="2413420"/>
+            <a:ext cx="853481" cy="1137898"/>
+          </a:xfrm>
+          <a:custGeom>
+            <a:avLst/>
+            <a:gdLst/>
+            <a:ahLst/>
+            <a:cxnLst/>
+            <a:rect l="l" t="t" r="r" b="b"/>
+            <a:pathLst>
+              <a:path w="2361890" h="2361890">
+                <a:moveTo>
+                  <a:pt x="1180945" y="0"/>
+                </a:moveTo>
+                <a:cubicBezTo>
+                  <a:pt x="1833163" y="0"/>
+                  <a:pt x="2361890" y="528727"/>
+                  <a:pt x="2361890" y="1180945"/>
+                </a:cubicBezTo>
+                <a:cubicBezTo>
+                  <a:pt x="2361890" y="1833163"/>
+                  <a:pt x="1833163" y="2361890"/>
+                  <a:pt x="1180945" y="2361890"/>
+                </a:cubicBezTo>
+                <a:cubicBezTo>
+                  <a:pt x="528727" y="2361890"/>
+                  <a:pt x="0" y="1833163"/>
+                  <a:pt x="0" y="1180945"/>
+                </a:cubicBezTo>
+                <a:cubicBezTo>
+                  <a:pt x="0" y="528727"/>
+                  <a:pt x="528727" y="0"/>
+                  <a:pt x="1180945" y="0"/>
+                </a:cubicBezTo>
+                <a:close/>
+              </a:path>
+            </a:pathLst>
+          </a:custGeom>
+        </p:spPr>
+      </p:pic>
+      <p:pic>
+        <p:nvPicPr>
+          <p:cNvPr id="10" name="Grafik 4" descr="Ein Bild, das Person, Mann, darstellend enthält.&#10;&#10;Automatisch generierte Beschreibung">
+            <a:extLst>
+              <a:ext uri="{FF2B5EF4-FFF2-40B4-BE49-F238E27FC236}">
+                <a16:creationId xmlns:a16="http://schemas.microsoft.com/office/drawing/2014/main" id="{CE977C9A-7A44-4F67-91CC-3457618322B0}"/>
+              </a:ext>
+            </a:extLst>
+          </p:cNvPr>
+          <p:cNvPicPr>
+            <a:picLocks noChangeAspect="1"/>
+          </p:cNvPicPr>
+          <p:nvPr/>
+        </p:nvPicPr>
+        <p:blipFill rotWithShape="1">
+          <a:blip r:embed="rId5">
+            <a:extLst>
+              <a:ext uri="{28A0092B-C50C-407E-A947-70E740481C1C}">
+                <a14:useLocalDpi xmlns:a14="http://schemas.microsoft.com/office/drawing/2010/main" val="0"/>
+              </a:ext>
+            </a:extLst>
+          </a:blip>
+          <a:srcRect l="10497" r="14502" b="6"/>
+          <a:stretch/>
+        </p:blipFill>
+        <p:spPr>
+          <a:xfrm>
+            <a:off x="5949140" y="1177099"/>
+            <a:ext cx="853481" cy="1137898"/>
+          </a:xfrm>
+          <a:custGeom>
+            <a:avLst/>
+            <a:gdLst/>
+            <a:ahLst/>
+            <a:cxnLst/>
+            <a:rect l="l" t="t" r="r" b="b"/>
+            <a:pathLst>
+              <a:path w="2452978" h="2452978">
+                <a:moveTo>
+                  <a:pt x="1226489" y="0"/>
+                </a:moveTo>
+                <a:cubicBezTo>
+                  <a:pt x="1903860" y="0"/>
+                  <a:pt x="2452978" y="549118"/>
+                  <a:pt x="2452978" y="1226489"/>
+                </a:cubicBezTo>
+                <a:cubicBezTo>
+                  <a:pt x="2452978" y="1903860"/>
+                  <a:pt x="1903860" y="2452978"/>
+                  <a:pt x="1226489" y="2452978"/>
+                </a:cubicBezTo>
+                <a:cubicBezTo>
+                  <a:pt x="549118" y="2452978"/>
+                  <a:pt x="0" y="1903860"/>
+                  <a:pt x="0" y="1226489"/>
+                </a:cubicBezTo>
+                <a:cubicBezTo>
+                  <a:pt x="0" y="549118"/>
+                  <a:pt x="549118" y="0"/>
+                  <a:pt x="1226489" y="0"/>
+                </a:cubicBezTo>
+                <a:close/>
+              </a:path>
+            </a:pathLst>
+          </a:custGeom>
+        </p:spPr>
+      </p:pic>
+      <p:pic>
+        <p:nvPicPr>
+          <p:cNvPr id="11" name="Grafik 6" descr="Ein Bild, das Person, Wand, drinnen, Mann enthält.&#10;&#10;Automatisch generierte Beschreibung">
+            <a:extLst>
+              <a:ext uri="{FF2B5EF4-FFF2-40B4-BE49-F238E27FC236}">
+                <a16:creationId xmlns:a16="http://schemas.microsoft.com/office/drawing/2014/main" id="{CB39424B-D6BB-4982-A347-EDB4CC8B4BDD}"/>
+              </a:ext>
+            </a:extLst>
+          </p:cNvPr>
+          <p:cNvPicPr>
+            <a:picLocks noChangeAspect="1"/>
+          </p:cNvPicPr>
+          <p:nvPr/>
+        </p:nvPicPr>
+        <p:blipFill rotWithShape="1">
+          <a:blip r:embed="rId6">
+            <a:extLst>
+              <a:ext uri="{28A0092B-C50C-407E-A947-70E740481C1C}">
+                <a14:useLocalDpi xmlns:a14="http://schemas.microsoft.com/office/drawing/2010/main" val="0"/>
+              </a:ext>
+            </a:extLst>
+          </a:blip>
+          <a:srcRect l="644" r="2255" b="-7"/>
+          <a:stretch/>
+        </p:blipFill>
+        <p:spPr>
+          <a:xfrm>
+            <a:off x="5949140" y="3595100"/>
+            <a:ext cx="911560" cy="1215332"/>
+          </a:xfrm>
+          <a:custGeom>
+            <a:avLst/>
+            <a:gdLst/>
+            <a:ahLst/>
+            <a:cxnLst/>
+            <a:rect l="l" t="t" r="r" b="b"/>
+            <a:pathLst>
+              <a:path w="2518114" h="2518114">
+                <a:moveTo>
+                  <a:pt x="1259057" y="0"/>
+                </a:moveTo>
+                <a:cubicBezTo>
+                  <a:pt x="1954415" y="0"/>
+                  <a:pt x="2518114" y="563699"/>
+                  <a:pt x="2518114" y="1259057"/>
+                </a:cubicBezTo>
+                <a:cubicBezTo>
+                  <a:pt x="2518114" y="1954415"/>
+                  <a:pt x="1954415" y="2518114"/>
+                  <a:pt x="1259057" y="2518114"/>
+                </a:cubicBezTo>
+                <a:cubicBezTo>
+                  <a:pt x="563699" y="2518114"/>
+                  <a:pt x="0" y="1954415"/>
+                  <a:pt x="0" y="1259057"/>
+                </a:cubicBezTo>
+                <a:cubicBezTo>
+                  <a:pt x="0" y="563699"/>
+                  <a:pt x="563699" y="0"/>
+                  <a:pt x="1259057" y="0"/>
+                </a:cubicBezTo>
+                <a:close/>
+              </a:path>
+            </a:pathLst>
+          </a:custGeom>
+        </p:spPr>
+      </p:pic>
+    </p:spTree>
+    <p:extLst>
+      <p:ext uri="{BB962C8B-B14F-4D97-AF65-F5344CB8AC3E}">
+        <p14:creationId xmlns:p14="http://schemas.microsoft.com/office/powerpoint/2010/main" val="2918783434"/>
+      </p:ext>
+    </p:extLst>
+  </p:cSld>
+  <p:clrMapOvr>
+    <a:masterClrMapping/>
+  </p:clrMapOvr>
+</p:sld>
+</file>
+
+<file path=ppt/slides/slide3.xml><?xml version="1.0" encoding="utf-8"?>
+<p:sld xmlns:a="http://schemas.openxmlformats.org/drawingml/2006/main" xmlns:r="http://schemas.openxmlformats.org/officeDocument/2006/relationships" xmlns:p="http://schemas.openxmlformats.org/presentationml/2006/main">
+  <p:cSld>
     <p:bg>
       <p:bgPr>
         <a:solidFill>
@@ -3370,7 +3674,7 @@
       </p:pic>
       <p:pic>
         <p:nvPicPr>
-          <p:cNvPr id="5" name="Grafik 4" descr="Ein Bild, das Person, Mann, darstellend enthält.&#10;&#10;Automatisch generierte Beschreibung">
+          <p:cNvPr id="5" name="Grafik 4">
             <a:extLst>
               <a:ext uri="{FF2B5EF4-FFF2-40B4-BE49-F238E27FC236}">
                 <a16:creationId xmlns:a16="http://schemas.microsoft.com/office/drawing/2014/main" id="{28140721-8F9E-4755-977B-AB4953234342}"/>
@@ -3382,21 +3686,21 @@
           </p:cNvPicPr>
           <p:nvPr/>
         </p:nvPicPr>
-        <p:blipFill rotWithShape="1">
-          <a:blip r:embed="rId3">
+        <p:blipFill>
+          <a:blip r:embed="rId4">
             <a:extLst>
               <a:ext uri="{28A0092B-C50C-407E-A947-70E740481C1C}">
                 <a14:useLocalDpi xmlns:a14="http://schemas.microsoft.com/office/drawing/2010/main" val="0"/>
               </a:ext>
             </a:extLst>
           </a:blip>
-          <a:srcRect r="4" b="9649"/>
+          <a:srcRect t="11381" b="11381"/>
           <a:stretch/>
         </p:blipFill>
         <p:spPr>
           <a:xfrm>
-            <a:off x="3088" y="3295834"/>
-            <a:ext cx="2019163" cy="1824405"/>
+            <a:off x="3088" y="3437311"/>
+            <a:ext cx="1862583" cy="1682928"/>
           </a:xfrm>
           <a:custGeom>
             <a:avLst/>
@@ -3601,7 +3905,7 @@
 </p:sld>
 </file>
 
-<file path=ppt/slides/slide3.xml><?xml version="1.0" encoding="utf-8"?>
+<file path=ppt/slides/slide4.xml><?xml version="1.0" encoding="utf-8"?>
 <p:sld xmlns:a="http://schemas.openxmlformats.org/drawingml/2006/main" xmlns:r="http://schemas.openxmlformats.org/officeDocument/2006/relationships" xmlns:p="http://schemas.openxmlformats.org/presentationml/2006/main">
   <p:cSld>
     <p:bg>
@@ -4668,7 +4972,7 @@
       </p:pic>
       <p:pic>
         <p:nvPicPr>
-          <p:cNvPr id="8" name="Grafik 7" descr="Ein Bild, das Person, Mann, darstellend enthält.&#10;&#10;Automatisch generierte Beschreibung">
+          <p:cNvPr id="8" name="Grafik 7">
             <a:extLst>
               <a:ext uri="{FF2B5EF4-FFF2-40B4-BE49-F238E27FC236}">
                 <a16:creationId xmlns:a16="http://schemas.microsoft.com/office/drawing/2014/main" id="{63F471E3-5690-4C8E-9474-56FB81B4D594}"/>
@@ -4680,7 +4984,7 @@
           </p:cNvPicPr>
           <p:nvPr/>
         </p:nvPicPr>
-        <p:blipFill rotWithShape="1">
+        <p:blipFill>
           <a:blip r:embed="rId3">
             <a:extLst>
               <a:ext uri="{28A0092B-C50C-407E-A947-70E740481C1C}">
@@ -4688,13 +4992,13 @@
               </a:ext>
             </a:extLst>
           </a:blip>
-          <a:srcRect l="10497" r="14504" b="8"/>
+          <a:srcRect l="6129" r="6129"/>
           <a:stretch/>
         </p:blipFill>
         <p:spPr>
           <a:xfrm>
-            <a:off x="5906411" y="33174"/>
-            <a:ext cx="1817223" cy="2422800"/>
+            <a:off x="5989377" y="305250"/>
+            <a:ext cx="1511548" cy="2015261"/>
           </a:xfrm>
           <a:custGeom>
             <a:avLst/>
@@ -5518,7 +5822,7 @@
           <p:nvPr/>
         </p:nvPicPr>
         <p:blipFill rotWithShape="1">
-          <a:blip r:embed="rId3">
+          <a:blip r:embed="rId4">
             <a:extLst>
               <a:ext uri="{28A0092B-C50C-407E-A947-70E740481C1C}">
                 <a14:useLocalDpi xmlns:a14="http://schemas.microsoft.com/office/drawing/2010/main" val="0"/>
@@ -5672,6 +5976,86 @@
       <p:bldP spid="2" grpId="0"/>
     </p:bldLst>
   </p:timing>
+</p:sld>
+</file>
+
+<file path=ppt/slides/slide5.xml><?xml version="1.0" encoding="utf-8"?>
+<p:sld xmlns:a="http://schemas.openxmlformats.org/drawingml/2006/main" xmlns:r="http://schemas.openxmlformats.org/officeDocument/2006/relationships" xmlns:p="http://schemas.openxmlformats.org/presentationml/2006/main">
+  <p:cSld>
+    <p:spTree>
+      <p:nvGrpSpPr>
+        <p:cNvPr id="1" name=""/>
+        <p:cNvGrpSpPr/>
+        <p:nvPr/>
+      </p:nvGrpSpPr>
+      <p:grpSpPr>
+        <a:xfrm>
+          <a:off x="0" y="0"/>
+          <a:ext cx="0" cy="0"/>
+          <a:chOff x="0" y="0"/>
+          <a:chExt cx="0" cy="0"/>
+        </a:xfrm>
+      </p:grpSpPr>
+      <p:sp>
+        <p:nvSpPr>
+          <p:cNvPr id="2" name="Título 1">
+            <a:extLst>
+              <a:ext uri="{FF2B5EF4-FFF2-40B4-BE49-F238E27FC236}">
+                <a16:creationId xmlns:a16="http://schemas.microsoft.com/office/drawing/2014/main" id="{E5BE009D-130E-466F-8420-ED8B7FC1962B}"/>
+              </a:ext>
+            </a:extLst>
+          </p:cNvPr>
+          <p:cNvSpPr>
+            <a:spLocks noGrp="1"/>
+          </p:cNvSpPr>
+          <p:nvPr>
+            <p:ph type="title"/>
+          </p:nvPr>
+        </p:nvSpPr>
+        <p:spPr/>
+        <p:txBody>
+          <a:bodyPr/>
+          <a:lstStyle/>
+          <a:p>
+            <a:endParaRPr lang="es-ES"/>
+          </a:p>
+        </p:txBody>
+      </p:sp>
+      <p:sp>
+        <p:nvSpPr>
+          <p:cNvPr id="3" name="Marcador de contenido 2">
+            <a:extLst>
+              <a:ext uri="{FF2B5EF4-FFF2-40B4-BE49-F238E27FC236}">
+                <a16:creationId xmlns:a16="http://schemas.microsoft.com/office/drawing/2014/main" id="{59042B60-6611-4540-9B22-88883C1DE133}"/>
+              </a:ext>
+            </a:extLst>
+          </p:cNvPr>
+          <p:cNvSpPr>
+            <a:spLocks noGrp="1"/>
+          </p:cNvSpPr>
+          <p:nvPr>
+            <p:ph idx="1"/>
+          </p:nvPr>
+        </p:nvSpPr>
+        <p:spPr/>
+        <p:txBody>
+          <a:bodyPr/>
+          <a:lstStyle/>
+          <a:p>
+            <a:endParaRPr lang="es-ES"/>
+          </a:p>
+        </p:txBody>
+      </p:sp>
+    </p:spTree>
+    <p:extLst>
+      <p:ext uri="{BB962C8B-B14F-4D97-AF65-F5344CB8AC3E}">
+        <p14:creationId xmlns:p14="http://schemas.microsoft.com/office/powerpoint/2010/main" val="2521258353"/>
+      </p:ext>
+    </p:extLst>
+  </p:cSld>
+  <p:clrMapOvr>
+    <a:masterClrMapping/>
+  </p:clrMapOvr>
 </p:sld>
 </file>
 
